--- a/Documentation/New Bank ppt.pptx
+++ b/Documentation/New Bank ppt.pptx
@@ -222,7 +222,7 @@
           <a:p>
             <a:fld id="{7C2FBC06-9676-42B7-A8B4-279236EF9829}" type="datetimeFigureOut">
               <a:rPr lang="en-US" smtClean="0"/>
-              <a:t>5/7/2024</a:t>
+              <a:t>5/8/2024</a:t>
             </a:fld>
             <a:endParaRPr lang="en-US" dirty="0"/>
           </a:p>
@@ -399,7 +399,7 @@
           <a:p>
             <a:fld id="{66C63451-F71A-45EA-8B10-04A09C28CC19}" type="datetimeFigureOut">
               <a:rPr lang="en-US" smtClean="0"/>
-              <a:t>5/7/2024</a:t>
+              <a:t>5/8/2024</a:t>
             </a:fld>
             <a:endParaRPr lang="en-US" dirty="0"/>
           </a:p>
@@ -34794,7 +34794,7 @@
           <a:p>
             <a:fld id="{4EC743F4-8769-40B4-85DF-6CB8DE9F66AA}" type="datetimeFigureOut">
               <a:rPr lang="en-US" smtClean="0"/>
-              <a:t>5/7/2024</a:t>
+              <a:t>5/8/2024</a:t>
             </a:fld>
             <a:endParaRPr lang="en-US"/>
           </a:p>
@@ -43385,7 +43385,7 @@
                 <a:latin typeface="Times New Roman" panose="02020603050405020304" pitchFamily="18" charset="0"/>
                 <a:cs typeface="Times New Roman" panose="02020603050405020304" pitchFamily="18" charset="0"/>
               </a:rPr>
-              <a:t>MY BANK BANKING APPLICATION</a:t>
+              <a:t>MY BANK APPLICATION</a:t>
             </a:r>
             <a:br>
               <a:rPr lang="en-US" dirty="0"/>
@@ -46699,6 +46699,15 @@
 </file>
 
 <file path=customXml/item1.xml><?xml version="1.0" encoding="utf-8"?>
+<?mso-contentType ?>
+<FormTemplates xmlns="http://schemas.microsoft.com/sharepoint/v3/contenttype/forms">
+  <Display>DocumentLibraryForm</Display>
+  <Edit>DocumentLibraryForm</Edit>
+  <New>DocumentLibraryForm</New>
+</FormTemplates>
+</file>
+
+<file path=customXml/item2.xml><?xml version="1.0" encoding="utf-8"?>
 <ct:contentTypeSchema xmlns:ct="http://schemas.microsoft.com/office/2006/metadata/contentType" xmlns:ma="http://schemas.microsoft.com/office/2006/metadata/properties/metaAttributes" ct:_="" ma:_="" ma:contentTypeName="Document" ma:contentTypeID="0x01010079F111ED35F8CC479449609E8A0923A6" ma:contentTypeVersion="28" ma:contentTypeDescription="Create a new document." ma:contentTypeScope="" ma:versionID="60f5a4f2d2b0abadcf532d48ebf9cb71">
   <xsd:schema xmlns:xsd="http://www.w3.org/2001/XMLSchema" xmlns:xs="http://www.w3.org/2001/XMLSchema" xmlns:p="http://schemas.microsoft.com/office/2006/metadata/properties" xmlns:ns1="http://schemas.microsoft.com/sharepoint/v3" xmlns:ns2="71af3243-3dd4-4a8d-8c0d-dd76da1f02a5" xmlns:ns3="16c05727-aa75-4e4a-9b5f-8a80a1165891" xmlns:ns4="230e9df3-be65-4c73-a93b-d1236ebd677e" targetNamespace="http://schemas.microsoft.com/office/2006/metadata/properties" ma:root="true" ma:fieldsID="7dd78129e6a1811f84807ad11c651531" ns1:_="" ns2:_="" ns3:_="" ns4:_="">
     <xsd:import namespace="http://schemas.microsoft.com/sharepoint/v3"/>
@@ -47010,15 +47019,6 @@
 </ct:contentTypeSchema>
 </file>
 
-<file path=customXml/item2.xml><?xml version="1.0" encoding="utf-8"?>
-<?mso-contentType ?>
-<FormTemplates xmlns="http://schemas.microsoft.com/sharepoint/v3/contenttype/forms">
-  <Display>DocumentLibraryForm</Display>
-  <Edit>DocumentLibraryForm</Edit>
-  <New>DocumentLibraryForm</New>
-</FormTemplates>
-</file>
-
 <file path=customXml/item3.xml><?xml version="1.0" encoding="utf-8"?>
 <p:properties xmlns:p="http://schemas.microsoft.com/office/2006/metadata/properties" xmlns:xsi="http://www.w3.org/2001/XMLSchema-instance" xmlns:pc="http://schemas.microsoft.com/office/infopath/2007/PartnerControls">
   <documentManagement>
@@ -47040,6 +47040,14 @@
 </file>
 
 <file path=customXml/itemProps1.xml><?xml version="1.0" encoding="utf-8"?>
+<ds:datastoreItem xmlns:ds="http://schemas.openxmlformats.org/officeDocument/2006/customXml" ds:itemID="{8FEDA63D-DE73-4ED5-BDF0-D3D9FD35E1ED}">
+  <ds:schemaRefs>
+    <ds:schemaRef ds:uri="http://schemas.microsoft.com/sharepoint/v3/contenttype/forms"/>
+  </ds:schemaRefs>
+</ds:datastoreItem>
+</file>
+
+<file path=customXml/itemProps2.xml><?xml version="1.0" encoding="utf-8"?>
 <ds:datastoreItem xmlns:ds="http://schemas.openxmlformats.org/officeDocument/2006/customXml" ds:itemID="{B8954E08-A2C8-44D4-BABF-5531D0DF1FAB}">
   <ds:schemaRefs>
     <ds:schemaRef ds:uri="http://schemas.microsoft.com/office/2006/metadata/contentType"/>
@@ -47060,14 +47068,6 @@
 </ds:datastoreItem>
 </file>
 
-<file path=customXml/itemProps2.xml><?xml version="1.0" encoding="utf-8"?>
-<ds:datastoreItem xmlns:ds="http://schemas.openxmlformats.org/officeDocument/2006/customXml" ds:itemID="{8FEDA63D-DE73-4ED5-BDF0-D3D9FD35E1ED}">
-  <ds:schemaRefs>
-    <ds:schemaRef ds:uri="http://schemas.microsoft.com/sharepoint/v3/contenttype/forms"/>
-  </ds:schemaRefs>
-</ds:datastoreItem>
-</file>
-
 <file path=customXml/itemProps3.xml><?xml version="1.0" encoding="utf-8"?>
 <ds:datastoreItem xmlns:ds="http://schemas.openxmlformats.org/officeDocument/2006/customXml" ds:itemID="{C8AE25C0-66E9-4E74-9814-75E5D2A6CABE}">
   <ds:schemaRefs>
